--- a/simple/presentation.pptx
+++ b/simple/presentation.pptx
@@ -6001,7 +6001,7 @@
             </a:pPr>
             <a:r>
               <a:rPr/>
-              <a:t>Covid-19</a:t>
+              <a:t>Basic</a:t>
             </a:r>
             <a:r>
               <a:rPr/>
@@ -6009,7 +6009,7 @@
             </a:r>
             <a:r>
               <a:rPr/>
-              <a:t>Impact</a:t>
+              <a:t>Performix</a:t>
             </a:r>
             <a:r>
               <a:rPr/>
@@ -6018,14 +6018,6 @@
             <a:r>
               <a:rPr/>
               <a:t>Report</a:t>
-            </a:r>
-            <a:r>
-              <a:rPr/>
-              <a:t> </a:t>
-            </a:r>
-            <a:r>
-              <a:rPr/>
-              <a:t>New</a:t>
             </a:r>
           </a:p>
         </p:txBody>
@@ -6055,7 +6047,7 @@
             </a:pPr>
             <a:r>
               <a:rPr/>
-              <a:t>Estimates</a:t>
+              <a:t>A</a:t>
             </a:r>
             <a:r>
               <a:rPr/>
@@ -6063,7 +6055,7 @@
             </a:r>
             <a:r>
               <a:rPr/>
-              <a:t>of</a:t>
+              <a:t>minimal</a:t>
             </a:r>
             <a:r>
               <a:rPr/>
@@ -6071,7 +6063,7 @@
             </a:r>
             <a:r>
               <a:rPr/>
-              <a:t>Covid-19</a:t>
+              <a:t>example</a:t>
             </a:r>
             <a:r>
               <a:rPr/>
@@ -6079,7 +6071,7 @@
             </a:r>
             <a:r>
               <a:rPr/>
-              <a:t>Impact</a:t>
+              <a:t>show</a:t>
             </a:r>
             <a:r>
               <a:rPr/>
@@ -6087,7 +6079,7 @@
             </a:r>
             <a:r>
               <a:rPr/>
-              <a:t>for</a:t>
+              <a:t>casing</a:t>
             </a:r>
             <a:r>
               <a:rPr/>
@@ -6095,7 +6087,7 @@
             </a:r>
             <a:r>
               <a:rPr/>
-              <a:t>Singapore</a:t>
+              <a:t>features</a:t>
             </a:r>
             <a:br/>
             <a:br/>
@@ -7194,28 +7186,14 @@
             <a:pPr lvl="1"/>
             <a:r>
               <a:rPr/>
-              <a:t>Eat eggs</a:t>
+              <a:t>Report Number 1</a:t>
             </a:r>
           </a:p>
           <a:p>
             <a:pPr lvl="1"/>
             <a:r>
               <a:rPr/>
-              <a:t>Drink coffee</a:t>
-            </a:r>
-          </a:p>
-          <a:p>
-            <a:pPr lvl="1"/>
-            <a:r>
-              <a:rPr/>
-              <a:t>ted@biometix.com</a:t>
-            </a:r>
-          </a:p>
-          <a:p>
-            <a:pPr lvl="1"/>
-            <a:r>
-              <a:rPr/>
-              <a:t>Estimates of Covid-19 Impact for Singapore</a:t>
+              <a:t>A minimal example show casing features</a:t>
             </a:r>
           </a:p>
         </p:txBody>

--- a/simple/presentation.pptx
+++ b/simple/presentation.pptx
@@ -15,12 +15,6 @@
     <p:sldId id="263" r:id="rId9"/>
     <p:sldId id="264" r:id="rId10"/>
     <p:sldId id="265" r:id="rId11"/>
-    <p:sldId id="266" r:id="rId12"/>
-    <p:sldId id="267" r:id="rId13"/>
-    <p:sldId id="268" r:id="rId14"/>
-    <p:sldId id="269" r:id="rId15"/>
-    <p:sldId id="270" r:id="rId16"/>
-    <p:sldId id="271" r:id="rId17"/>
   </p:sldIdLst>
   <p:sldSz cx="12192000" cy="6858000"/>
   <p:notesSz cx="6858000" cy="9144000"/>
@@ -6001,7 +5995,7 @@
             </a:pPr>
             <a:r>
               <a:rPr/>
-              <a:t>Basic</a:t>
+              <a:t>Performix</a:t>
             </a:r>
             <a:r>
               <a:rPr/>
@@ -6009,7 +6003,7 @@
             </a:r>
             <a:r>
               <a:rPr/>
-              <a:t>Performix</a:t>
+              <a:t>Technical</a:t>
             </a:r>
             <a:r>
               <a:rPr/>
@@ -6017,7 +6011,15 @@
             </a:r>
             <a:r>
               <a:rPr/>
-              <a:t>Report</a:t>
+              <a:t>Users</a:t>
+            </a:r>
+            <a:r>
+              <a:rPr/>
+              <a:t> </a:t>
+            </a:r>
+            <a:r>
+              <a:rPr/>
+              <a:t>Manual</a:t>
             </a:r>
           </a:p>
         </p:txBody>
@@ -6047,7 +6049,7 @@
             </a:pPr>
             <a:r>
               <a:rPr/>
-              <a:t>A</a:t>
+              <a:t>Design</a:t>
             </a:r>
             <a:r>
               <a:rPr/>
@@ -6055,7 +6057,7 @@
             </a:r>
             <a:r>
               <a:rPr/>
-              <a:t>minimal</a:t>
+              <a:t>and</a:t>
             </a:r>
             <a:r>
               <a:rPr/>
@@ -6063,7 +6065,7 @@
             </a:r>
             <a:r>
               <a:rPr/>
-              <a:t>example</a:t>
+              <a:t>Usage</a:t>
             </a:r>
             <a:r>
               <a:rPr/>
@@ -6071,7 +6073,7 @@
             </a:r>
             <a:r>
               <a:rPr/>
-              <a:t>show</a:t>
+              <a:t>Information</a:t>
             </a:r>
             <a:r>
               <a:rPr/>
@@ -6079,7 +6081,7 @@
             </a:r>
             <a:r>
               <a:rPr/>
-              <a:t>casing</a:t>
+              <a:t>for</a:t>
             </a:r>
             <a:r>
               <a:rPr/>
@@ -6087,7 +6089,31 @@
             </a:r>
             <a:r>
               <a:rPr/>
-              <a:t>features</a:t>
+              <a:t>Techncial</a:t>
+            </a:r>
+            <a:r>
+              <a:rPr/>
+              <a:t> </a:t>
+            </a:r>
+            <a:r>
+              <a:rPr/>
+              <a:t>Users</a:t>
+            </a:r>
+            <a:r>
+              <a:rPr/>
+              <a:t> </a:t>
+            </a:r>
+            <a:r>
+              <a:rPr/>
+              <a:t>of</a:t>
+            </a:r>
+            <a:r>
+              <a:rPr/>
+              <a:t> </a:t>
+            </a:r>
+            <a:r>
+              <a:rPr/>
+              <a:t>Performix</a:t>
             </a:r>
             <a:br/>
             <a:br/>
@@ -6163,20 +6189,15 @@
       </p:grpSpPr>
       <p:sp>
         <p:nvSpPr>
-          <p:cNvPr id="2" name="Title 1"/>
-          <p:cNvSpPr>
-            <a:spLocks noGrp="1"/>
-          </p:cNvSpPr>
-          <p:nvPr>
-            <p:ph type="title"/>
-          </p:nvPr>
-        </p:nvSpPr>
-        <p:spPr>
-          <a:xfrm>
-            <a:off x="913774" y="828563"/>
-            <a:ext cx="10351752" cy="2736819"/>
-          </a:xfrm>
-        </p:spPr>
+          <p:cNvPr id="12" name="Content Placeholder 2"/>
+          <p:cNvSpPr>
+            <a:spLocks noGrp="1"/>
+          </p:cNvSpPr>
+          <p:nvPr>
+            <p:ph sz="quarter" idx="13"/>
+          </p:nvPr>
+        </p:nvSpPr>
+        <p:spPr/>
         <p:txBody>
           <a:bodyPr/>
           <a:lstStyle/>
@@ -6186,869 +6207,7 @@
             </a:pPr>
             <a:r>
               <a:rPr/>
-              <a:t>Conclusion</a:t>
-            </a:r>
-          </a:p>
-        </p:txBody>
-      </p:sp>
-    </p:spTree>
-  </p:cSld>
-</p:sld>
-</file>
-
-<file path=ppt/slides/slide11.xml><?xml version="1.0" encoding="utf-8"?>
-<p:sld xmlns:a="http://schemas.openxmlformats.org/drawingml/2006/main" xmlns:r="http://schemas.openxmlformats.org/officeDocument/2006/relationships" xmlns:p="http://schemas.openxmlformats.org/presentationml/2006/main">
-  <p:cSld>
-    <p:spTree>
-      <p:nvGrpSpPr>
-        <p:cNvPr id="1" name=""/>
-        <p:cNvGrpSpPr/>
-        <p:nvPr/>
-      </p:nvGrpSpPr>
-      <p:grpSpPr>
-        <a:xfrm>
-          <a:off x="0" y="0"/>
-          <a:ext cx="0" cy="0"/>
-          <a:chOff x="0" y="0"/>
-          <a:chExt cx="0" cy="0"/>
-        </a:xfrm>
-      </p:grpSpPr>
-      <p:pic>
-        <p:nvPicPr>
-          <p:cNvPr descr="https://upload.wikimedia.org/wikipedia/commons/thumb/2/26/COVID-19_Outbreak_World_Map.svg/1000px-COVID-19_Outbreak_World_Map.svg.png" id="0" name="Picture 1"/>
-          <p:cNvPicPr>
-            <a:picLocks noGrp="1" noChangeAspect="1"/>
-          </p:cNvPicPr>
-          <p:nvPr/>
-        </p:nvPicPr>
-        <p:blipFill>
-          <a:blip r:embed="rId2"/>
-          <a:stretch>
-            <a:fillRect/>
-          </a:stretch>
-        </p:blipFill>
-        <p:spPr bwMode="auto">
-          <a:xfrm>
-            <a:off x="2336800" y="1422400"/>
-            <a:ext cx="7480300" cy="3848100"/>
-          </a:xfrm>
-          <a:prstGeom prst="rect">
-            <a:avLst/>
-          </a:prstGeom>
-          <a:noFill/>
-          <a:ln w="9525">
-            <a:noFill/>
-            <a:headEnd/>
-            <a:tailEnd/>
-          </a:ln>
-        </p:spPr>
-      </p:pic>
-      <p:sp>
-        <p:nvSpPr>
-          <p:cNvPr id="1" name="TextBox 3"/>
-          <p:cNvSpPr txBox="1"/>
-          <p:nvPr/>
-        </p:nvSpPr>
-        <p:spPr>
-          <a:xfrm>
-            <a:off x="901700" y="5270500"/>
-            <a:ext cx="10363200" cy="508000"/>
-          </a:xfrm>
-          <a:prstGeom prst="rect">
-            <a:avLst/>
-          </a:prstGeom>
-          <a:noFill/>
-        </p:spPr>
-        <p:txBody>
-          <a:bodyPr/>
-          <a:lstStyle/>
-          <a:p>
-            <a:pPr lvl="0" marL="0" indent="0" algn="ctr">
-              <a:buNone/>
-            </a:pPr>
-            <a:r>
-              <a:rPr/>
-              <a:t>map</a:t>
-            </a:r>
-          </a:p>
-        </p:txBody>
-      </p:sp>
-    </p:spTree>
-  </p:cSld>
-</p:sld>
-</file>
-
-<file path=ppt/slides/slide12.xml><?xml version="1.0" encoding="utf-8"?>
-<p:sld xmlns:a="http://schemas.openxmlformats.org/drawingml/2006/main" xmlns:r="http://schemas.openxmlformats.org/officeDocument/2006/relationships" xmlns:p="http://schemas.openxmlformats.org/presentationml/2006/main">
-  <p:cSld>
-    <p:spTree>
-      <p:nvGrpSpPr>
-        <p:cNvPr id="1" name=""/>
-        <p:cNvGrpSpPr/>
-        <p:nvPr/>
-      </p:nvGrpSpPr>
-      <p:grpSpPr>
-        <a:xfrm>
-          <a:off x="0" y="0"/>
-          <a:ext cx="0" cy="0"/>
-          <a:chOff x="0" y="0"/>
-          <a:chExt cx="0" cy="0"/>
-        </a:xfrm>
-      </p:grpSpPr>
-      <p:sp>
-        <p:nvSpPr>
-          <p:cNvPr id="2" name="Title 1"/>
-          <p:cNvSpPr>
-            <a:spLocks noGrp="1"/>
-          </p:cNvSpPr>
-          <p:nvPr>
-            <p:ph type="title"/>
-          </p:nvPr>
-        </p:nvSpPr>
-        <p:spPr>
-          <a:xfrm>
-            <a:off x="913774" y="828563"/>
-            <a:ext cx="10351752" cy="2736819"/>
-          </a:xfrm>
-        </p:spPr>
-        <p:txBody>
-          <a:bodyPr/>
-          <a:lstStyle/>
-          <a:p>
-            <a:pPr lvl="0" marL="0" indent="0">
-              <a:buNone/>
-            </a:pPr>
-            <a:r>
-              <a:rPr/>
-              <a:t>Deaths</a:t>
-            </a:r>
-            <a:r>
-              <a:rPr/>
-              <a:t> </a:t>
-            </a:r>
-            <a:r>
-              <a:rPr/>
-              <a:t>By</a:t>
-            </a:r>
-            <a:r>
-              <a:rPr/>
-              <a:t> </a:t>
-            </a:r>
-            <a:r>
-              <a:rPr/>
-              <a:t>Region</a:t>
-            </a:r>
-          </a:p>
-        </p:txBody>
-      </p:sp>
-    </p:spTree>
-  </p:cSld>
-</p:sld>
-</file>
-
-<file path=ppt/slides/slide13.xml><?xml version="1.0" encoding="utf-8"?>
-<p:sld xmlns:a="http://schemas.openxmlformats.org/drawingml/2006/main" xmlns:r="http://schemas.openxmlformats.org/officeDocument/2006/relationships" xmlns:p="http://schemas.openxmlformats.org/presentationml/2006/main">
-  <p:cSld>
-    <p:spTree>
-      <p:nvGrpSpPr>
-        <p:cNvPr id="1" name=""/>
-        <p:cNvGrpSpPr/>
-        <p:nvPr/>
-      </p:nvGrpSpPr>
-      <p:grpSpPr>
-        <a:xfrm>
-          <a:off x="0" y="0"/>
-          <a:ext cx="0" cy="0"/>
-          <a:chOff x="0" y="0"/>
-          <a:chExt cx="0" cy="0"/>
-        </a:xfrm>
-      </p:grpSpPr>
-      <p:pic>
-        <p:nvPicPr>
-          <p:cNvPr descr="https://upload.wikimedia.org/wikipedia/commons/4/43/NCoV20200223_daily_deaths_by_region.png" id="0" name="Picture 1"/>
-          <p:cNvPicPr>
-            <a:picLocks noGrp="1" noChangeAspect="1"/>
-          </p:cNvPicPr>
-          <p:nvPr/>
-        </p:nvPicPr>
-        <p:blipFill>
-          <a:blip r:embed="rId2"/>
-          <a:stretch>
-            <a:fillRect/>
-          </a:stretch>
-        </p:blipFill>
-        <p:spPr bwMode="auto">
-          <a:xfrm>
-            <a:off x="3886200" y="1422400"/>
-            <a:ext cx="4394200" cy="3848100"/>
-          </a:xfrm>
-          <a:prstGeom prst="rect">
-            <a:avLst/>
-          </a:prstGeom>
-          <a:noFill/>
-          <a:ln w="9525">
-            <a:noFill/>
-            <a:headEnd/>
-            <a:tailEnd/>
-          </a:ln>
-        </p:spPr>
-      </p:pic>
-      <p:sp>
-        <p:nvSpPr>
-          <p:cNvPr id="1" name="TextBox 3"/>
-          <p:cNvSpPr txBox="1"/>
-          <p:nvPr/>
-        </p:nvSpPr>
-        <p:spPr>
-          <a:xfrm>
-            <a:off x="901700" y="5270500"/>
-            <a:ext cx="10363200" cy="508000"/>
-          </a:xfrm>
-          <a:prstGeom prst="rect">
-            <a:avLst/>
-          </a:prstGeom>
-          <a:noFill/>
-        </p:spPr>
-        <p:txBody>
-          <a:bodyPr/>
-          <a:lstStyle/>
-          <a:p>
-            <a:pPr lvl="0" marL="0" indent="0" algn="ctr">
-              <a:buNone/>
-            </a:pPr>
-            <a:r>
-              <a:rPr/>
-              <a:t>corona</a:t>
-            </a:r>
-          </a:p>
-        </p:txBody>
-      </p:sp>
-    </p:spTree>
-  </p:cSld>
-</p:sld>
-</file>
-
-<file path=ppt/slides/slide14.xml><?xml version="1.0" encoding="utf-8"?>
-<p:sld xmlns:a="http://schemas.openxmlformats.org/drawingml/2006/main" xmlns:r="http://schemas.openxmlformats.org/officeDocument/2006/relationships" xmlns:p="http://schemas.openxmlformats.org/presentationml/2006/main">
-  <p:cSld>
-    <p:spTree>
-      <p:nvGrpSpPr>
-        <p:cNvPr id="1" name=""/>
-        <p:cNvGrpSpPr/>
-        <p:nvPr/>
-      </p:nvGrpSpPr>
-      <p:grpSpPr>
-        <a:xfrm>
-          <a:off x="0" y="0"/>
-          <a:ext cx="0" cy="0"/>
-          <a:chOff x="0" y="0"/>
-          <a:chExt cx="0" cy="0"/>
-        </a:xfrm>
-      </p:grpSpPr>
-      <p:sp>
-        <p:nvSpPr>
-          <p:cNvPr id="2" name="Title 1"/>
-          <p:cNvSpPr>
-            <a:spLocks noGrp="1"/>
-          </p:cNvSpPr>
-          <p:nvPr>
-            <p:ph type="title"/>
-          </p:nvPr>
-        </p:nvSpPr>
-        <p:spPr>
-          <a:xfrm>
-            <a:off x="913774" y="828563"/>
-            <a:ext cx="10351752" cy="2736819"/>
-          </a:xfrm>
-        </p:spPr>
-        <p:txBody>
-          <a:bodyPr/>
-          <a:lstStyle/>
-          <a:p>
-            <a:pPr lvl="0" marL="0" indent="0">
-              <a:buNone/>
-            </a:pPr>
-            <a:r>
-              <a:rPr/>
-              <a:t>News</a:t>
-            </a:r>
-          </a:p>
-        </p:txBody>
-      </p:sp>
-    </p:spTree>
-  </p:cSld>
-</p:sld>
-</file>
-
-<file path=ppt/slides/slide15.xml><?xml version="1.0" encoding="utf-8"?>
-<p:sld xmlns:a="http://schemas.openxmlformats.org/drawingml/2006/main" xmlns:r="http://schemas.openxmlformats.org/officeDocument/2006/relationships" xmlns:p="http://schemas.openxmlformats.org/presentationml/2006/main">
-  <p:cSld>
-    <p:spTree>
-      <p:nvGrpSpPr>
-        <p:cNvPr id="1" name=""/>
-        <p:cNvGrpSpPr/>
-        <p:nvPr/>
-      </p:nvGrpSpPr>
-      <p:grpSpPr>
-        <a:xfrm>
-          <a:off x="0" y="0"/>
-          <a:ext cx="0" cy="0"/>
-          <a:chOff x="0" y="0"/>
-          <a:chExt cx="0" cy="0"/>
-        </a:xfrm>
-      </p:grpSpPr>
-      <p:sp>
-        <p:nvSpPr>
-          <p:cNvPr id="14" name="Title 1"/>
-          <p:cNvSpPr>
-            <a:spLocks noGrp="1"/>
-          </p:cNvSpPr>
-          <p:nvPr>
-            <p:ph type="title"/>
-          </p:nvPr>
-        </p:nvSpPr>
-        <p:spPr>
-          <a:xfrm>
-            <a:off x="913775" y="618517"/>
-            <a:ext cx="10364451" cy="779977"/>
-          </a:xfrm>
-        </p:spPr>
-        <p:txBody>
-          <a:bodyPr/>
-          <a:lstStyle/>
-          <a:p>
-            <a:pPr lvl="0" marL="0" indent="0">
-              <a:buNone/>
-            </a:pPr>
-            <a:r>
-              <a:rPr/>
-              <a:t>Salvini</a:t>
-            </a:r>
-            <a:r>
-              <a:rPr/>
-              <a:t> </a:t>
-            </a:r>
-            <a:r>
-              <a:rPr/>
-              <a:t>and</a:t>
-            </a:r>
-            <a:r>
-              <a:rPr/>
-              <a:t> </a:t>
-            </a:r>
-            <a:r>
-              <a:rPr/>
-              <a:t>Le</a:t>
-            </a:r>
-            <a:r>
-              <a:rPr/>
-              <a:t> </a:t>
-            </a:r>
-            <a:r>
-              <a:rPr/>
-              <a:t>Pen</a:t>
-            </a:r>
-            <a:r>
-              <a:rPr/>
-              <a:t> </a:t>
-            </a:r>
-            <a:r>
-              <a:rPr/>
-              <a:t>Don’t</a:t>
-            </a:r>
-            <a:r>
-              <a:rPr/>
-              <a:t> </a:t>
-            </a:r>
-            <a:r>
-              <a:rPr/>
-              <a:t>Have</a:t>
-            </a:r>
-            <a:r>
-              <a:rPr/>
-              <a:t> </a:t>
-            </a:r>
-            <a:r>
-              <a:rPr/>
-              <a:t>a</a:t>
-            </a:r>
-            <a:r>
-              <a:rPr/>
-              <a:t> </a:t>
-            </a:r>
-            <a:r>
-              <a:rPr/>
-              <a:t>Coronavirus</a:t>
-            </a:r>
-            <a:r>
-              <a:rPr/>
-              <a:t> </a:t>
-            </a:r>
-            <a:r>
-              <a:rPr/>
-              <a:t>Cure</a:t>
-            </a:r>
-          </a:p>
-        </p:txBody>
-      </p:sp>
-      <p:pic>
-        <p:nvPicPr>
-          <p:cNvPr descr="https://s.yimg.com/ny/api/res/1.2/8Lxiq7479ETlzJcI0wR4vw--/YXBwaWQ9aGlnaGxhbmRlcjt3PTEyODA7aD03NjAuNTMzMzMzMzMzMzMzMw--/https://s.yimg.com/uu/api/res/1.2/QmawiEmjQ7lhheuo5BMMgQ--~B/aD03NzA7dz0xMjk2O3NtPTE7YXBwaWQ9eXRhY2h5b24-/https://media.zenfs.com/en/bloomberg_politics_602/b4bfdbfc1d3a83a5e41648494804ef3d" id="0" name="Picture 1"/>
-          <p:cNvPicPr>
-            <a:picLocks noGrp="1" noChangeAspect="1"/>
-          </p:cNvPicPr>
-          <p:nvPr/>
-        </p:nvPicPr>
-        <p:blipFill>
-          <a:blip r:embed="rId2"/>
-          <a:stretch>
-            <a:fillRect/>
-          </a:stretch>
-        </p:blipFill>
-        <p:spPr bwMode="auto">
-          <a:xfrm>
-            <a:off x="901700" y="1866900"/>
-            <a:ext cx="5105400" cy="3035300"/>
-          </a:xfrm>
-          <a:prstGeom prst="rect">
-            <a:avLst/>
-          </a:prstGeom>
-          <a:noFill/>
-          <a:ln w="9525">
-            <a:noFill/>
-            <a:headEnd/>
-            <a:tailEnd/>
-          </a:ln>
-        </p:spPr>
-      </p:pic>
-      <p:sp>
-        <p:nvSpPr>
-          <p:cNvPr id="1" name="TextBox 3"/>
-          <p:cNvSpPr txBox="1"/>
-          <p:nvPr/>
-        </p:nvSpPr>
-        <p:spPr>
-          <a:xfrm>
-            <a:off x="901700" y="5270500"/>
-            <a:ext cx="5105400" cy="508000"/>
-          </a:xfrm>
-          <a:prstGeom prst="rect">
-            <a:avLst/>
-          </a:prstGeom>
-          <a:noFill/>
-        </p:spPr>
-        <p:txBody>
-          <a:bodyPr/>
-          <a:lstStyle/>
-          <a:p>
-            <a:pPr lvl="0" marL="0" indent="0" algn="ctr">
-              <a:buNone/>
-            </a:pPr>
-            <a:r>
-              <a:rPr/>
-              <a:t>Salvini</a:t>
-            </a:r>
-            <a:r>
-              <a:rPr/>
-              <a:t> </a:t>
-            </a:r>
-            <a:r>
-              <a:rPr/>
-              <a:t>and</a:t>
-            </a:r>
-            <a:r>
-              <a:rPr/>
-              <a:t> </a:t>
-            </a:r>
-            <a:r>
-              <a:rPr/>
-              <a:t>Le</a:t>
-            </a:r>
-            <a:r>
-              <a:rPr/>
-              <a:t> </a:t>
-            </a:r>
-            <a:r>
-              <a:rPr/>
-              <a:t>Pen</a:t>
-            </a:r>
-            <a:r>
-              <a:rPr/>
-              <a:t> </a:t>
-            </a:r>
-            <a:r>
-              <a:rPr/>
-              <a:t>Don’t</a:t>
-            </a:r>
-            <a:r>
-              <a:rPr/>
-              <a:t> </a:t>
-            </a:r>
-            <a:r>
-              <a:rPr/>
-              <a:t>Have</a:t>
-            </a:r>
-            <a:r>
-              <a:rPr/>
-              <a:t> </a:t>
-            </a:r>
-            <a:r>
-              <a:rPr/>
-              <a:t>a</a:t>
-            </a:r>
-            <a:r>
-              <a:rPr/>
-              <a:t> </a:t>
-            </a:r>
-            <a:r>
-              <a:rPr/>
-              <a:t>Coronavirus</a:t>
-            </a:r>
-            <a:r>
-              <a:rPr/>
-              <a:t> </a:t>
-            </a:r>
-            <a:r>
-              <a:rPr/>
-              <a:t>Cure</a:t>
-            </a:r>
-          </a:p>
-        </p:txBody>
-      </p:sp>
-      <p:sp>
-        <p:nvSpPr>
-          <p:cNvPr id="13" name="Content Placeholder 3"/>
-          <p:cNvSpPr>
-            <a:spLocks noGrp="1"/>
-          </p:cNvSpPr>
-          <p:nvPr>
-            <p:ph sz="quarter" idx="14"/>
-          </p:nvPr>
-        </p:nvSpPr>
-        <p:spPr/>
-        <p:txBody>
-          <a:bodyPr/>
-          <a:lstStyle/>
-          <a:p>
-            <a:pPr lvl="1"/>
-            <a:r>
-              <a:rPr/>
-              <a:t>(Bloomberg Opinion) – The surge in confirmed cases of the Covid-19 coronavirus in Italy has thrown up a classic dilemma for the European Union: How to protect unity between 27 member states when domestic political pressures call for national, beggar-thy-neig… [+5492 chars] </a:t>
-            </a:r>
-            <a:r>
-              <a:rPr i="1">
-                <a:hlinkClick r:id="rId3"/>
-              </a:rPr>
-              <a:t>link</a:t>
-            </a:r>
-          </a:p>
-          <a:p>
-            <a:pPr lvl="1"/>
-            <a:r>
-              <a:rPr/>
-              <a:t>Warren introduces bill to transfer funding from border wall to efforts to combat coronavirus (Martin Finucane) </a:t>
-            </a:r>
-            <a:r>
-              <a:rPr i="1">
-                <a:hlinkClick r:id="rId4"/>
-              </a:rPr>
-              <a:t>link</a:t>
-            </a:r>
-          </a:p>
-          <a:p>
-            <a:pPr lvl="1"/>
-            <a:r>
-              <a:rPr/>
-              <a:t>Blockchain as a Tool to Combat Coronavirus (Cointelegraph By Cointelegraph Consulting) </a:t>
-            </a:r>
-            <a:r>
-              <a:rPr i="1">
-                <a:hlinkClick r:id="rId5"/>
-              </a:rPr>
-              <a:t>link</a:t>
-            </a:r>
-          </a:p>
-          <a:p>
-            <a:pPr lvl="1"/>
-            <a:r>
-              <a:rPr/>
-              <a:t>Coronavirus: What are the symptoms? Can I get it from food? What about kissing? (MANDY TE) </a:t>
-            </a:r>
-            <a:r>
-              <a:rPr i="1">
-                <a:hlinkClick r:id="rId6"/>
-              </a:rPr>
-              <a:t>link</a:t>
-            </a:r>
-          </a:p>
-          <a:p>
-            <a:pPr lvl="1"/>
-            <a:r>
-              <a:rPr/>
-              <a:t>Coronavirus: Avoid crowded places, says Health Minister Harsh Vardhan (BusinessToday.In) </a:t>
-            </a:r>
-            <a:r>
-              <a:rPr i="1">
-                <a:hlinkClick r:id="rId7"/>
-              </a:rPr>
-              <a:t>link</a:t>
-            </a:r>
-          </a:p>
-          <a:p>
-            <a:pPr lvl="1"/>
-            <a:r>
-              <a:rPr/>
-              <a:t>Cleary Gottlieb Discusses the Coronavirus – Force Majeure or Frustration? (Jonathan Kelly, Jeffrey A. Rosenthal and Delphine Michot) </a:t>
-            </a:r>
-            <a:r>
-              <a:rPr i="1">
-                <a:hlinkClick r:id="rId8"/>
-              </a:rPr>
-              <a:t>link</a:t>
-            </a:r>
-          </a:p>
-          <a:p>
-            <a:pPr lvl="1"/>
-            <a:r>
-              <a:rPr/>
-              <a:t>Man ‘hacks airline computer system to book free business class flights worth €18,000’ (Helen Coffey, Helen Coffey) </a:t>
-            </a:r>
-            <a:r>
-              <a:rPr i="1">
-                <a:hlinkClick r:id="rId9"/>
-              </a:rPr>
-              <a:t>link</a:t>
-            </a:r>
-          </a:p>
-        </p:txBody>
-      </p:sp>
-    </p:spTree>
-  </p:cSld>
-</p:sld>
-</file>
-
-<file path=ppt/slides/slide16.xml><?xml version="1.0" encoding="utf-8"?>
-<p:sld xmlns:a="http://schemas.openxmlformats.org/drawingml/2006/main" xmlns:r="http://schemas.openxmlformats.org/officeDocument/2006/relationships" xmlns:p="http://schemas.openxmlformats.org/presentationml/2006/main">
-  <p:cSld>
-    <p:spTree>
-      <p:nvGrpSpPr>
-        <p:cNvPr id="1" name=""/>
-        <p:cNvGrpSpPr/>
-        <p:nvPr/>
-      </p:nvGrpSpPr>
-      <p:grpSpPr>
-        <a:xfrm>
-          <a:off x="0" y="0"/>
-          <a:ext cx="0" cy="0"/>
-          <a:chOff x="0" y="0"/>
-          <a:chExt cx="0" cy="0"/>
-        </a:xfrm>
-      </p:grpSpPr>
-      <p:sp>
-        <p:nvSpPr>
-          <p:cNvPr id="14" name="Title 1"/>
-          <p:cNvSpPr>
-            <a:spLocks noGrp="1"/>
-          </p:cNvSpPr>
-          <p:nvPr>
-            <p:ph type="title"/>
-          </p:nvPr>
-        </p:nvSpPr>
-        <p:spPr>
-          <a:xfrm>
-            <a:off x="913775" y="618517"/>
-            <a:ext cx="10364451" cy="779977"/>
-          </a:xfrm>
-        </p:spPr>
-        <p:txBody>
-          <a:bodyPr/>
-          <a:lstStyle/>
-          <a:p>
-            <a:pPr lvl="0" marL="0" indent="0">
-              <a:buNone/>
-            </a:pPr>
-            <a:r>
-              <a:rPr/>
-              <a:t>First</a:t>
-            </a:r>
-            <a:r>
-              <a:rPr/>
-              <a:t> </a:t>
-            </a:r>
-            <a:r>
-              <a:rPr/>
-              <a:t>Edition:</a:t>
-            </a:r>
-            <a:r>
-              <a:rPr/>
-              <a:t> </a:t>
-            </a:r>
-            <a:r>
-              <a:rPr/>
-              <a:t>February</a:t>
-            </a:r>
-            <a:r>
-              <a:rPr/>
-              <a:t> </a:t>
-            </a:r>
-            <a:r>
-              <a:rPr/>
-              <a:t>21,</a:t>
-            </a:r>
-            <a:r>
-              <a:rPr/>
-              <a:t> </a:t>
-            </a:r>
-            <a:r>
-              <a:rPr/>
-              <a:t>2020</a:t>
-            </a:r>
-          </a:p>
-        </p:txBody>
-      </p:sp>
-      <p:pic>
-        <p:nvPicPr>
-          <p:cNvPr descr="https://khn.org/wp-content/themes/kaiser-healthnews-2017/static/images/placeholder.jpg" id="0" name="Picture 1"/>
-          <p:cNvPicPr>
-            <a:picLocks noGrp="1" noChangeAspect="1"/>
-          </p:cNvPicPr>
-          <p:nvPr/>
-        </p:nvPicPr>
-        <p:blipFill>
-          <a:blip r:embed="rId2"/>
-          <a:stretch>
-            <a:fillRect/>
-          </a:stretch>
-        </p:blipFill>
-        <p:spPr bwMode="auto">
-          <a:xfrm>
-            <a:off x="901700" y="1676400"/>
-            <a:ext cx="5105400" cy="3403600"/>
-          </a:xfrm>
-          <a:prstGeom prst="rect">
-            <a:avLst/>
-          </a:prstGeom>
-          <a:noFill/>
-          <a:ln w="9525">
-            <a:noFill/>
-            <a:headEnd/>
-            <a:tailEnd/>
-          </a:ln>
-        </p:spPr>
-      </p:pic>
-      <p:sp>
-        <p:nvSpPr>
-          <p:cNvPr id="1" name="TextBox 3"/>
-          <p:cNvSpPr txBox="1"/>
-          <p:nvPr/>
-        </p:nvSpPr>
-        <p:spPr>
-          <a:xfrm>
-            <a:off x="901700" y="5270500"/>
-            <a:ext cx="5105400" cy="508000"/>
-          </a:xfrm>
-          <a:prstGeom prst="rect">
-            <a:avLst/>
-          </a:prstGeom>
-          <a:noFill/>
-        </p:spPr>
-        <p:txBody>
-          <a:bodyPr/>
-          <a:lstStyle/>
-          <a:p>
-            <a:pPr lvl="0" marL="0" indent="0" algn="ctr">
-              <a:buNone/>
-            </a:pPr>
-            <a:r>
-              <a:rPr/>
-              <a:t>First</a:t>
-            </a:r>
-            <a:r>
-              <a:rPr/>
-              <a:t> </a:t>
-            </a:r>
-            <a:r>
-              <a:rPr/>
-              <a:t>Edition:</a:t>
-            </a:r>
-            <a:r>
-              <a:rPr/>
-              <a:t> </a:t>
-            </a:r>
-            <a:r>
-              <a:rPr/>
-              <a:t>February</a:t>
-            </a:r>
-            <a:r>
-              <a:rPr/>
-              <a:t> </a:t>
-            </a:r>
-            <a:r>
-              <a:rPr/>
-              <a:t>21,</a:t>
-            </a:r>
-            <a:r>
-              <a:rPr/>
-              <a:t> </a:t>
-            </a:r>
-            <a:r>
-              <a:rPr/>
-              <a:t>2020</a:t>
-            </a:r>
-          </a:p>
-        </p:txBody>
-      </p:sp>
-      <p:sp>
-        <p:nvSpPr>
-          <p:cNvPr id="13" name="Content Placeholder 3"/>
-          <p:cNvSpPr>
-            <a:spLocks noGrp="1"/>
-          </p:cNvSpPr>
-          <p:nvPr>
-            <p:ph sz="quarter" idx="14"/>
-          </p:nvPr>
-        </p:nvSpPr>
-        <p:spPr/>
-        <p:txBody>
-          <a:bodyPr/>
-          <a:lstStyle/>
-          <a:p>
-            <a:pPr lvl="1"/>
-            <a:r>
-              <a:rPr/>
-              <a:t>S.Korea Coronavirus Cases Go Exponential As New Infections Soar By 70%; 10 Towns In Northern Italy Put On Lockdown (Steve Watson) </a:t>
-            </a:r>
-            <a:r>
-              <a:rPr i="1">
-                <a:hlinkClick r:id="rId3"/>
-              </a:rPr>
-              <a:t>link</a:t>
-            </a:r>
-          </a:p>
-          <a:p>
-            <a:pPr lvl="1"/>
-            <a:r>
-              <a:rPr/>
-              <a:t>‘Ghost town’: What it’s like to be on holiday in northern Italy amid coronavirus shut down (Julia Buckley, Julia Buckley) </a:t>
-            </a:r>
-            <a:r>
-              <a:rPr i="1">
-                <a:hlinkClick r:id="rId4"/>
-              </a:rPr>
-              <a:t>link</a:t>
-            </a:r>
-          </a:p>
-          <a:p>
-            <a:pPr lvl="1"/>
-            <a:r>
-              <a:rPr/>
-              <a:t>With coronavirus, North Korea’s isolation is a possible buffer but also a worry (Simon Denyer) </a:t>
-            </a:r>
-            <a:r>
-              <a:rPr i="1">
-                <a:hlinkClick r:id="rId5"/>
-              </a:rPr>
-              <a:t>link</a:t>
+              <a:t>This is the Conclusion</a:t>
             </a:r>
           </a:p>
         </p:txBody>
@@ -7186,14 +6345,14 @@
             <a:pPr lvl="1"/>
             <a:r>
               <a:rPr/>
-              <a:t>Report Number 1</a:t>
+              <a:t>Item 1</a:t>
             </a:r>
           </a:p>
           <a:p>
             <a:pPr lvl="1"/>
             <a:r>
               <a:rPr/>
-              <a:t>A minimal example show casing features</a:t>
+              <a:t>Item 2</a:t>
             </a:r>
           </a:p>
         </p:txBody>
@@ -7240,67 +6399,40 @@
             </a:pPr>
             <a:r>
               <a:rPr/>
-              <a:t>Symptoms</a:t>
-            </a:r>
-          </a:p>
-        </p:txBody>
-      </p:sp>
-      <p:pic>
-        <p:nvPicPr>
-          <p:cNvPr descr="https://upload.wikimedia.org/wikipedia/commons/thumb/9/96/Symptoms_of_coronavirus_disease_2019_2.0.svg/500px-Symptoms_of_coronavirus_disease_2019_2.0.svg.png" id="0" name="Picture 1"/>
-          <p:cNvPicPr>
-            <a:picLocks noGrp="1" noChangeAspect="1"/>
-          </p:cNvPicPr>
-          <p:nvPr/>
-        </p:nvPicPr>
-        <p:blipFill>
-          <a:blip r:embed="rId2"/>
-          <a:stretch>
-            <a:fillRect/>
-          </a:stretch>
-        </p:blipFill>
-        <p:spPr bwMode="auto">
-          <a:xfrm>
-            <a:off x="3327400" y="1422400"/>
-            <a:ext cx="5511800" cy="3848100"/>
-          </a:xfrm>
-          <a:prstGeom prst="rect">
-            <a:avLst/>
-          </a:prstGeom>
-          <a:noFill/>
-          <a:ln w="9525">
-            <a:noFill/>
-            <a:headEnd/>
-            <a:tailEnd/>
-          </a:ln>
-        </p:spPr>
-      </p:pic>
-      <p:sp>
-        <p:nvSpPr>
-          <p:cNvPr id="1" name="TextBox 3"/>
-          <p:cNvSpPr txBox="1"/>
-          <p:nvPr/>
-        </p:nvSpPr>
-        <p:spPr>
-          <a:xfrm>
-            <a:off x="901700" y="5270500"/>
-            <a:ext cx="10363200" cy="508000"/>
-          </a:xfrm>
-          <a:prstGeom prst="rect">
-            <a:avLst/>
-          </a:prstGeom>
-          <a:noFill/>
-        </p:spPr>
-        <p:txBody>
-          <a:bodyPr/>
-          <a:lstStyle/>
-          <a:p>
-            <a:pPr lvl="0" marL="0" indent="0" algn="ctr">
+              <a:t>Basic</a:t>
+            </a:r>
+            <a:r>
+              <a:rPr/>
+              <a:t> </a:t>
+            </a:r>
+            <a:r>
+              <a:rPr/>
+              <a:t>Slide</a:t>
+            </a:r>
+          </a:p>
+        </p:txBody>
+      </p:sp>
+      <p:sp>
+        <p:nvSpPr>
+          <p:cNvPr id="12" name="Content Placeholder 2"/>
+          <p:cNvSpPr>
+            <a:spLocks noGrp="1"/>
+          </p:cNvSpPr>
+          <p:nvPr>
+            <p:ph sz="quarter" idx="13"/>
+          </p:nvPr>
+        </p:nvSpPr>
+        <p:spPr/>
+        <p:txBody>
+          <a:bodyPr/>
+          <a:lstStyle/>
+          <a:p>
+            <a:pPr lvl="0" marL="0" indent="0">
               <a:buNone/>
             </a:pPr>
             <a:r>
               <a:rPr/>
-              <a:t>symptoms</a:t>
+              <a:t>test</a:t>
             </a:r>
           </a:p>
         </p:txBody>
@@ -7337,7 +6469,12 @@
             <p:ph type="title"/>
           </p:nvPr>
         </p:nvSpPr>
-        <p:spPr/>
+        <p:spPr>
+          <a:xfrm>
+            <a:off x="913774" y="828563"/>
+            <a:ext cx="10351752" cy="2736819"/>
+          </a:xfrm>
+        </p:spPr>
         <p:txBody>
           <a:bodyPr/>
           <a:lstStyle/>
@@ -7347,7 +6484,7 @@
             </a:pPr>
             <a:r>
               <a:rPr/>
-              <a:t>PS</a:t>
+              <a:t>Point</a:t>
             </a:r>
             <a:r>
               <a:rPr/>
@@ -7355,32 +6492,7 @@
             </a:r>
             <a:r>
               <a:rPr/>
-              <a:t>test</a:t>
-            </a:r>
-          </a:p>
-        </p:txBody>
-      </p:sp>
-      <p:sp>
-        <p:nvSpPr>
-          <p:cNvPr id="12" name="Content Placeholder 2"/>
-          <p:cNvSpPr>
-            <a:spLocks noGrp="1"/>
-          </p:cNvSpPr>
-          <p:nvPr>
-            <p:ph sz="quarter" idx="13"/>
-          </p:nvPr>
-        </p:nvSpPr>
-        <p:spPr/>
-        <p:txBody>
-          <a:bodyPr/>
-          <a:lstStyle/>
-          <a:p>
-            <a:pPr lvl="0" marL="0" indent="0">
-              <a:buNone/>
-            </a:pPr>
-            <a:r>
-              <a:rPr/>
-              <a:t>test</a:t>
+              <a:t>1</a:t>
             </a:r>
           </a:p>
         </p:txBody>
@@ -7417,12 +6529,7 @@
             <p:ph type="title"/>
           </p:nvPr>
         </p:nvSpPr>
-        <p:spPr>
-          <a:xfrm>
-            <a:off x="913774" y="828563"/>
-            <a:ext cx="10351752" cy="2736819"/>
-          </a:xfrm>
-        </p:spPr>
+        <p:spPr/>
         <p:txBody>
           <a:bodyPr/>
           <a:lstStyle/>
@@ -7432,7 +6539,40 @@
             </a:pPr>
             <a:r>
               <a:rPr/>
-              <a:t>Details</a:t>
+              <a:t>Sub</a:t>
+            </a:r>
+            <a:r>
+              <a:rPr/>
+              <a:t> </a:t>
+            </a:r>
+            <a:r>
+              <a:rPr/>
+              <a:t>point</a:t>
+            </a:r>
+          </a:p>
+        </p:txBody>
+      </p:sp>
+      <p:sp>
+        <p:nvSpPr>
+          <p:cNvPr id="12" name="Content Placeholder 2"/>
+          <p:cNvSpPr>
+            <a:spLocks noGrp="1"/>
+          </p:cNvSpPr>
+          <p:nvPr>
+            <p:ph sz="quarter" idx="13"/>
+          </p:nvPr>
+        </p:nvSpPr>
+        <p:spPr/>
+        <p:txBody>
+          <a:bodyPr/>
+          <a:lstStyle/>
+          <a:p>
+            <a:pPr lvl="0" marL="0" indent="0">
+              <a:buNone/>
+            </a:pPr>
+            <a:r>
+              <a:rPr/>
+              <a:t>EPS</a:t>
             </a:r>
           </a:p>
         </p:txBody>
@@ -7461,7 +6601,7 @@
       </p:grpSpPr>
       <p:sp>
         <p:nvSpPr>
-          <p:cNvPr id="2" name="Title 1"/>
+          <p:cNvPr id="14" name="Title 1"/>
           <p:cNvSpPr>
             <a:spLocks noGrp="1"/>
           </p:cNvSpPr>
@@ -7469,29 +6609,88 @@
             <p:ph type="title"/>
           </p:nvPr>
         </p:nvSpPr>
+        <p:spPr>
+          <a:xfrm>
+            <a:off x="913775" y="618517"/>
+            <a:ext cx="10364451" cy="779977"/>
+          </a:xfrm>
+        </p:spPr>
+        <p:txBody>
+          <a:bodyPr/>
+          <a:lstStyle/>
+          <a:p>
+            <a:pPr lvl="0" marL="0" indent="0">
+              <a:buNone/>
+            </a:pPr>
+            <a:r>
+              <a:rPr/>
+              <a:t>This</a:t>
+            </a:r>
+            <a:r>
+              <a:rPr/>
+              <a:t> </a:t>
+            </a:r>
+            <a:r>
+              <a:rPr/>
+              <a:t>slide</a:t>
+            </a:r>
+            <a:r>
+              <a:rPr/>
+              <a:t> </a:t>
+            </a:r>
+            <a:r>
+              <a:rPr/>
+              <a:t>has</a:t>
+            </a:r>
+            <a:r>
+              <a:rPr/>
+              <a:t> </a:t>
+            </a:r>
+            <a:r>
+              <a:rPr/>
+              <a:t>columns</a:t>
+            </a:r>
+          </a:p>
+        </p:txBody>
+      </p:sp>
+      <p:sp>
+        <p:nvSpPr>
+          <p:cNvPr id="12" name="Content Placeholder 2"/>
+          <p:cNvSpPr>
+            <a:spLocks noGrp="1"/>
+          </p:cNvSpPr>
+          <p:nvPr>
+            <p:ph sz="quarter" idx="13"/>
+          </p:nvPr>
+        </p:nvSpPr>
         <p:spPr/>
         <p:txBody>
           <a:bodyPr/>
           <a:lstStyle/>
           <a:p>
-            <a:pPr lvl="0" marL="0" indent="0">
-              <a:buNone/>
-            </a:pPr>
+            <a:pPr lvl="1"/>
             <a:r>
               <a:rPr/>
-              <a:t>corona virus</a:t>
-            </a:r>
-          </a:p>
-        </p:txBody>
-      </p:sp>
-      <p:sp>
-        <p:nvSpPr>
-          <p:cNvPr id="12" name="Content Placeholder 2"/>
-          <p:cNvSpPr>
-            <a:spLocks noGrp="1"/>
-          </p:cNvSpPr>
-          <p:nvPr>
-            <p:ph sz="quarter" idx="13"/>
+              <a:t>Item 1</a:t>
+            </a:r>
+          </a:p>
+          <a:p>
+            <a:pPr lvl="1"/>
+            <a:r>
+              <a:rPr/>
+              <a:t>Item 2</a:t>
+            </a:r>
+          </a:p>
+        </p:txBody>
+      </p:sp>
+      <p:sp>
+        <p:nvSpPr>
+          <p:cNvPr id="13" name="Content Placeholder 3"/>
+          <p:cNvSpPr>
+            <a:spLocks noGrp="1"/>
+          </p:cNvSpPr>
+          <p:nvPr>
+            <p:ph sz="quarter" idx="14"/>
           </p:nvPr>
         </p:nvSpPr>
         <p:spPr/>
@@ -7499,12 +6698,10 @@
           <a:bodyPr/>
           <a:lstStyle/>
           <a:p>
-            <a:pPr lvl="0" marL="0" indent="0">
-              <a:buNone/>
-            </a:pPr>
+            <a:pPr lvl="1"/>
             <a:r>
               <a:rPr/>
-              <a:t>EPS</a:t>
+              <a:t>Item 3</a:t>
             </a:r>
           </a:p>
         </p:txBody>
@@ -7533,7 +6730,7 @@
       </p:grpSpPr>
       <p:sp>
         <p:nvSpPr>
-          <p:cNvPr id="14" name="Title 1"/>
+          <p:cNvPr id="2" name="Title 1"/>
           <p:cNvSpPr>
             <a:spLocks noGrp="1"/>
           </p:cNvSpPr>
@@ -7541,12 +6738,7 @@
             <p:ph type="title"/>
           </p:nvPr>
         </p:nvSpPr>
-        <p:spPr>
-          <a:xfrm>
-            <a:off x="913775" y="618517"/>
-            <a:ext cx="10364451" cy="779977"/>
-          </a:xfrm>
-        </p:spPr>
+        <p:spPr/>
         <p:txBody>
           <a:bodyPr/>
           <a:lstStyle/>
@@ -7556,7 +6748,7 @@
             </a:pPr>
             <a:r>
               <a:rPr/>
-              <a:t>This</a:t>
+              <a:t>Last</a:t>
             </a:r>
             <a:r>
               <a:rPr/>
@@ -7572,7 +6764,7 @@
             </a:r>
             <a:r>
               <a:rPr/>
-              <a:t>has</a:t>
+              <a:t>with</a:t>
             </a:r>
             <a:r>
               <a:rPr/>
@@ -7580,7 +6772,7 @@
             </a:r>
             <a:r>
               <a:rPr/>
-              <a:t>columns</a:t>
+              <a:t>bullets</a:t>
             </a:r>
           </a:p>
         </p:txBody>
@@ -7603,74 +6795,14 @@
             <a:pPr lvl="1"/>
             <a:r>
               <a:rPr/>
-              <a:t>Eat eggs</a:t>
+              <a:t>Item 1</a:t>
             </a:r>
           </a:p>
           <a:p>
             <a:pPr lvl="1"/>
             <a:r>
               <a:rPr/>
-              <a:t>Drink coffee</a:t>
-            </a:r>
-          </a:p>
-        </p:txBody>
-      </p:sp>
-      <p:pic>
-        <p:nvPicPr>
-          <p:cNvPr descr="https://upload.wikimedia.org/wikipedia/commons/thumb/9/96/Symptoms_of_coronavirus_disease_2019_2.0.svg/500px-Symptoms_of_coronavirus_disease_2019_2.0.svg.png" id="0" name="Picture 1"/>
-          <p:cNvPicPr>
-            <a:picLocks noGrp="1" noChangeAspect="1"/>
-          </p:cNvPicPr>
-          <p:nvPr/>
-        </p:nvPicPr>
-        <p:blipFill>
-          <a:blip r:embed="rId2"/>
-          <a:stretch>
-            <a:fillRect/>
-          </a:stretch>
-        </p:blipFill>
-        <p:spPr bwMode="auto">
-          <a:xfrm>
-            <a:off x="6172200" y="1600200"/>
-            <a:ext cx="5105400" cy="3568700"/>
-          </a:xfrm>
-          <a:prstGeom prst="rect">
-            <a:avLst/>
-          </a:prstGeom>
-          <a:noFill/>
-          <a:ln w="9525">
-            <a:noFill/>
-            <a:headEnd/>
-            <a:tailEnd/>
-          </a:ln>
-        </p:spPr>
-      </p:pic>
-      <p:sp>
-        <p:nvSpPr>
-          <p:cNvPr id="1" name="TextBox 3"/>
-          <p:cNvSpPr txBox="1"/>
-          <p:nvPr/>
-        </p:nvSpPr>
-        <p:spPr>
-          <a:xfrm>
-            <a:off x="6172200" y="5270500"/>
-            <a:ext cx="5105400" cy="508000"/>
-          </a:xfrm>
-          <a:prstGeom prst="rect">
-            <a:avLst/>
-          </a:prstGeom>
-          <a:noFill/>
-        </p:spPr>
-        <p:txBody>
-          <a:bodyPr/>
-          <a:lstStyle/>
-          <a:p>
-            <a:pPr lvl="0" marL="0" indent="0" algn="ctr">
-              <a:buNone/>
-            </a:pPr>
-            <a:r>
-              <a:rPr/>
-              <a:t>symptoms</a:t>
+              <a:t>Item 2</a:t>
             </a:r>
           </a:p>
         </p:txBody>
@@ -7707,7 +6839,12 @@
             <p:ph type="title"/>
           </p:nvPr>
         </p:nvSpPr>
-        <p:spPr/>
+        <p:spPr>
+          <a:xfrm>
+            <a:off x="913774" y="828563"/>
+            <a:ext cx="10351752" cy="2736819"/>
+          </a:xfrm>
+        </p:spPr>
         <p:txBody>
           <a:bodyPr/>
           <a:lstStyle/>
@@ -7717,53 +6854,7 @@
             </a:pPr>
             <a:r>
               <a:rPr/>
-              <a:t>In</a:t>
-            </a:r>
-            <a:r>
-              <a:rPr/>
-              <a:t> </a:t>
-            </a:r>
-            <a:r>
-              <a:rPr/>
-              <a:t>the</a:t>
-            </a:r>
-            <a:r>
-              <a:rPr/>
-              <a:t> </a:t>
-            </a:r>
-            <a:r>
-              <a:rPr/>
-              <a:t>evening</a:t>
-            </a:r>
-          </a:p>
-        </p:txBody>
-      </p:sp>
-      <p:sp>
-        <p:nvSpPr>
-          <p:cNvPr id="12" name="Content Placeholder 2"/>
-          <p:cNvSpPr>
-            <a:spLocks noGrp="1"/>
-          </p:cNvSpPr>
-          <p:nvPr>
-            <p:ph sz="quarter" idx="13"/>
-          </p:nvPr>
-        </p:nvSpPr>
-        <p:spPr/>
-        <p:txBody>
-          <a:bodyPr/>
-          <a:lstStyle/>
-          <a:p>
-            <a:pPr lvl="1"/>
-            <a:r>
-              <a:rPr/>
-              <a:t>Eat spaghetti</a:t>
-            </a:r>
-          </a:p>
-          <a:p>
-            <a:pPr lvl="1"/>
-            <a:r>
-              <a:rPr/>
-              <a:t>Drink wine</a:t>
+              <a:t>Conclusion</a:t>
             </a:r>
           </a:p>
         </p:txBody>

--- a/simple/presentation.pptx
+++ b/simple/presentation.pptx
@@ -6099,22 +6099,6 @@
               <a:rPr/>
               <a:t>Users</a:t>
             </a:r>
-            <a:r>
-              <a:rPr/>
-              <a:t> </a:t>
-            </a:r>
-            <a:r>
-              <a:rPr/>
-              <a:t>of</a:t>
-            </a:r>
-            <a:r>
-              <a:rPr/>
-              <a:t> </a:t>
-            </a:r>
-            <a:r>
-              <a:rPr/>
-              <a:t>Performix</a:t>
-            </a:r>
             <a:br/>
             <a:br/>
             <a:r>

--- a/simple/presentation.pptx
+++ b/simple/presentation.pptx
@@ -6128,7 +6128,7 @@
             </a:pPr>
             <a:r>
               <a:rPr/>
-              <a:t>5th</a:t>
+              <a:t>16</a:t>
             </a:r>
             <a:r>
               <a:rPr/>
@@ -6136,7 +6136,7 @@
             </a:r>
             <a:r>
               <a:rPr/>
-              <a:t>March</a:t>
+              <a:t>Apr</a:t>
             </a:r>
             <a:r>
               <a:rPr/>

--- a/simple/presentation.pptx
+++ b/simple/presentation.pptx
@@ -6128,7 +6128,7 @@
             </a:pPr>
             <a:r>
               <a:rPr/>
-              <a:t>16</a:t>
+              <a:t>5th</a:t>
             </a:r>
             <a:r>
               <a:rPr/>
@@ -6136,7 +6136,7 @@
             </a:r>
             <a:r>
               <a:rPr/>
-              <a:t>Apr</a:t>
+              <a:t>March</a:t>
             </a:r>
             <a:r>
               <a:rPr/>

--- a/simple/presentation.pptx
+++ b/simple/presentation.pptx
@@ -5995,7 +5995,7 @@
             </a:pPr>
             <a:r>
               <a:rPr/>
-              <a:t>Ted’s</a:t>
+              <a:t>Performix</a:t>
             </a:r>
             <a:r>
               <a:rPr/>
@@ -6003,7 +6003,23 @@
             </a:r>
             <a:r>
               <a:rPr/>
-              <a:t>Test</a:t>
+              <a:t>Technical</a:t>
+            </a:r>
+            <a:r>
+              <a:rPr/>
+              <a:t> </a:t>
+            </a:r>
+            <a:r>
+              <a:rPr/>
+              <a:t>Users</a:t>
+            </a:r>
+            <a:r>
+              <a:rPr/>
+              <a:t> </a:t>
+            </a:r>
+            <a:r>
+              <a:rPr/>
+              <a:t>Manual</a:t>
             </a:r>
           </a:p>
         </p:txBody>
@@ -6033,7 +6049,55 @@
             </a:pPr>
             <a:r>
               <a:rPr/>
-              <a:t>Wow</a:t>
+              <a:t>Design</a:t>
+            </a:r>
+            <a:r>
+              <a:rPr/>
+              <a:t> </a:t>
+            </a:r>
+            <a:r>
+              <a:rPr/>
+              <a:t>and</a:t>
+            </a:r>
+            <a:r>
+              <a:rPr/>
+              <a:t> </a:t>
+            </a:r>
+            <a:r>
+              <a:rPr/>
+              <a:t>Usage</a:t>
+            </a:r>
+            <a:r>
+              <a:rPr/>
+              <a:t> </a:t>
+            </a:r>
+            <a:r>
+              <a:rPr/>
+              <a:t>Information</a:t>
+            </a:r>
+            <a:r>
+              <a:rPr/>
+              <a:t> </a:t>
+            </a:r>
+            <a:r>
+              <a:rPr/>
+              <a:t>for</a:t>
+            </a:r>
+            <a:r>
+              <a:rPr/>
+              <a:t> </a:t>
+            </a:r>
+            <a:r>
+              <a:rPr/>
+              <a:t>Techncial</a:t>
+            </a:r>
+            <a:r>
+              <a:rPr/>
+              <a:t> </a:t>
+            </a:r>
+            <a:r>
+              <a:rPr/>
+              <a:t>Users</a:t>
             </a:r>
             <a:br/>
             <a:br/>
